--- a/doc/www-logo.pptx
+++ b/doc/www-logo.pptx
@@ -3043,8 +3043,8 @@
         </p:nvSpPr>
         <p:spPr>
           <a:xfrm>
-            <a:off x="1936798" y="2942084"/>
-            <a:ext cx="797382" cy="923330"/>
+            <a:off x="2551694" y="2247309"/>
+            <a:ext cx="1004687" cy="2215991"/>
           </a:xfrm>
           <a:prstGeom prst="rect">
             <a:avLst/>
@@ -3073,33 +3073,11 @@
           <a:p>
             <a:pPr algn="ctr"/>
             <a:r>
-              <a:rPr lang="en-US" sz="5400" b="1" cap="none" spc="0" dirty="0" smtClean="0">
+              <a:rPr lang="en-US" sz="13800" b="1" cap="none" spc="0" dirty="0" smtClean="0">
                 <a:ln w="11430"/>
-                <a:gradFill>
-                  <a:gsLst>
-                    <a:gs pos="0">
-                      <a:schemeClr val="accent2">
-                        <a:tint val="70000"/>
-                        <a:satMod val="245000"/>
-                      </a:schemeClr>
-                    </a:gs>
-                    <a:gs pos="75000">
-                      <a:schemeClr val="accent2">
-                        <a:tint val="90000"/>
-                        <a:shade val="60000"/>
-                        <a:satMod val="240000"/>
-                      </a:schemeClr>
-                    </a:gs>
-                    <a:gs pos="100000">
-                      <a:schemeClr val="accent2">
-                        <a:tint val="100000"/>
-                        <a:shade val="50000"/>
-                        <a:satMod val="240000"/>
-                      </a:schemeClr>
-                    </a:gs>
-                  </a:gsLst>
-                  <a:lin ang="5400000"/>
-                </a:gradFill>
+                <a:solidFill>
+                  <a:srgbClr val="FF0000"/>
+                </a:solidFill>
                 <a:effectLst>
                   <a:outerShdw blurRad="50800" dist="39000" dir="5460000" algn="tl">
                     <a:srgbClr val="000000">
@@ -3111,33 +3089,11 @@
               </a:rPr>
               <a:t>W</a:t>
             </a:r>
-            <a:endParaRPr lang="en-US" sz="5400" b="1" cap="none" spc="0" dirty="0">
+            <a:endParaRPr lang="en-US" sz="9600" b="1" cap="none" spc="0" dirty="0">
               <a:ln w="11430"/>
-              <a:gradFill>
-                <a:gsLst>
-                  <a:gs pos="0">
-                    <a:schemeClr val="accent2">
-                      <a:tint val="70000"/>
-                      <a:satMod val="245000"/>
-                    </a:schemeClr>
-                  </a:gs>
-                  <a:gs pos="75000">
-                    <a:schemeClr val="accent2">
-                      <a:tint val="90000"/>
-                      <a:shade val="60000"/>
-                      <a:satMod val="240000"/>
-                    </a:schemeClr>
-                  </a:gs>
-                  <a:gs pos="100000">
-                    <a:schemeClr val="accent2">
-                      <a:tint val="100000"/>
-                      <a:shade val="50000"/>
-                      <a:satMod val="240000"/>
-                    </a:schemeClr>
-                  </a:gs>
-                </a:gsLst>
-                <a:lin ang="5400000"/>
-              </a:gradFill>
+              <a:solidFill>
+                <a:srgbClr val="FF0000"/>
+              </a:solidFill>
               <a:effectLst>
                 <a:outerShdw blurRad="50800" dist="39000" dir="5460000" algn="tl">
                   <a:srgbClr val="000000">
@@ -3158,8 +3114,8 @@
         </p:nvSpPr>
         <p:spPr>
           <a:xfrm>
-            <a:off x="2307446" y="2942084"/>
-            <a:ext cx="797382" cy="923330"/>
+            <a:off x="3497868" y="2247310"/>
+            <a:ext cx="1004687" cy="2215991"/>
           </a:xfrm>
           <a:prstGeom prst="rect">
             <a:avLst/>
@@ -3188,7 +3144,7 @@
           <a:p>
             <a:pPr algn="ctr"/>
             <a:r>
-              <a:rPr lang="en-US" sz="5400" b="1" cap="none" spc="0" dirty="0" smtClean="0">
+              <a:rPr lang="en-US" sz="13800" b="1" cap="none" spc="0" dirty="0" smtClean="0">
                 <a:ln w="11430"/>
                 <a:solidFill>
                   <a:srgbClr val="92D050"/>
@@ -3204,7 +3160,7 @@
               </a:rPr>
               <a:t>W</a:t>
             </a:r>
-            <a:endParaRPr lang="en-US" sz="5400" b="1" cap="none" spc="0" dirty="0">
+            <a:endParaRPr lang="en-US" sz="13800" b="1" cap="none" spc="0" dirty="0">
               <a:ln w="11430"/>
               <a:solidFill>
                 <a:srgbClr val="92D050"/>
@@ -3229,8 +3185,8 @@
         </p:nvSpPr>
         <p:spPr>
           <a:xfrm>
-            <a:off x="2678086" y="2945631"/>
-            <a:ext cx="797382" cy="923330"/>
+            <a:off x="4444762" y="2250857"/>
+            <a:ext cx="1004687" cy="2215991"/>
           </a:xfrm>
           <a:prstGeom prst="rect">
             <a:avLst/>
@@ -3259,10 +3215,12 @@
           <a:p>
             <a:pPr algn="ctr"/>
             <a:r>
-              <a:rPr lang="en-US" sz="5400" b="1" cap="none" spc="0" dirty="0" smtClean="0">
+              <a:rPr lang="en-US" sz="13800" b="1" cap="none" spc="0" dirty="0" smtClean="0">
                 <a:ln w="11430"/>
                 <a:solidFill>
-                  <a:srgbClr val="7030A0"/>
+                  <a:schemeClr val="accent5">
+                    <a:lumMod val="50000"/>
+                  </a:schemeClr>
                 </a:solidFill>
                 <a:effectLst>
                   <a:outerShdw blurRad="50800" dist="39000" dir="5460000" algn="tl">
@@ -3275,10 +3233,12 @@
               </a:rPr>
               <a:t>W</a:t>
             </a:r>
-            <a:endParaRPr lang="en-US" sz="5400" b="1" cap="none" spc="0" dirty="0">
+            <a:endParaRPr lang="en-US" sz="9600" b="1" cap="none" spc="0" dirty="0">
               <a:ln w="11430"/>
               <a:solidFill>
-                <a:srgbClr val="7030A0"/>
+                <a:schemeClr val="accent5">
+                  <a:lumMod val="50000"/>
+                </a:schemeClr>
               </a:solidFill>
               <a:effectLst>
                 <a:outerShdw blurRad="50800" dist="39000" dir="5460000" algn="tl">
@@ -3299,9 +3259,9 @@
           <p:nvPr/>
         </p:nvSpPr>
         <p:spPr>
-          <a:xfrm>
-            <a:off x="1763688" y="2492896"/>
-            <a:ext cx="1828800" cy="1828800"/>
+          <a:xfrm rot="21257677">
+            <a:off x="1763688" y="980727"/>
+            <a:ext cx="4572000" cy="4572000"/>
           </a:xfrm>
           <a:prstGeom prst="blockArc">
             <a:avLst>
@@ -3350,25 +3310,32 @@
       </p:sp>
       <p:sp>
         <p:nvSpPr>
-          <p:cNvPr id="8" name="Block Arc 7"/>
+          <p:cNvPr id="10" name="Block Arc 9"/>
           <p:cNvSpPr/>
           <p:nvPr/>
         </p:nvSpPr>
         <p:spPr>
-          <a:xfrm rot="12252871">
-            <a:off x="1763688" y="2492896"/>
-            <a:ext cx="1828800" cy="1828800"/>
+          <a:xfrm rot="5400000">
+            <a:off x="1758040" y="980727"/>
+            <a:ext cx="4572000" cy="4572000"/>
           </a:xfrm>
           <a:prstGeom prst="blockArc">
             <a:avLst>
-              <a:gd name="adj1" fmla="val 10826306"/>
+              <a:gd name="adj1" fmla="val 14119832"/>
               <a:gd name="adj2" fmla="val 9653"/>
               <a:gd name="adj3" fmla="val 4989"/>
             </a:avLst>
           </a:prstGeom>
+          <a:solidFill>
+            <a:schemeClr val="accent5">
+              <a:lumMod val="50000"/>
+            </a:schemeClr>
+          </a:solidFill>
           <a:ln>
             <a:solidFill>
-              <a:srgbClr val="0070C0"/>
+              <a:schemeClr val="accent5">
+                <a:lumMod val="50000"/>
+              </a:schemeClr>
             </a:solidFill>
           </a:ln>
         </p:spPr>
@@ -3403,20 +3370,20 @@
       </p:sp>
       <p:sp>
         <p:nvSpPr>
-          <p:cNvPr id="9" name="Block Arc 8"/>
+          <p:cNvPr id="11" name="Block Arc 10"/>
           <p:cNvSpPr/>
           <p:nvPr/>
         </p:nvSpPr>
         <p:spPr>
-          <a:xfrm rot="4469485">
-            <a:off x="1763686" y="2492896"/>
-            <a:ext cx="1828800" cy="1828800"/>
+          <a:xfrm rot="12860507">
+            <a:off x="1758035" y="980722"/>
+            <a:ext cx="4572000" cy="4572000"/>
           </a:xfrm>
           <a:prstGeom prst="blockArc">
             <a:avLst>
-              <a:gd name="adj1" fmla="val 15734936"/>
-              <a:gd name="adj2" fmla="val 1028805"/>
-              <a:gd name="adj3" fmla="val 5187"/>
+              <a:gd name="adj1" fmla="val 14006269"/>
+              <a:gd name="adj2" fmla="val 9653"/>
+              <a:gd name="adj3" fmla="val 4989"/>
             </a:avLst>
           </a:prstGeom>
           <a:solidFill>
@@ -3467,6 +3434,13 @@
   <p:clrMapOvr>
     <a:masterClrMapping/>
   </p:clrMapOvr>
+  <p:timing>
+    <p:tnLst>
+      <p:par>
+        <p:cTn id="1" dur="indefinite" restart="never" nodeType="tmRoot"/>
+      </p:par>
+    </p:tnLst>
+  </p:timing>
 </p:sld>
 </file>
 

--- a/doc/www-logo.pptx
+++ b/doc/www-logo.pptx
@@ -3260,14 +3260,14 @@
         </p:nvSpPr>
         <p:spPr>
           <a:xfrm rot="21257677">
-            <a:off x="1763688" y="980727"/>
+            <a:off x="1749833" y="994582"/>
             <a:ext cx="4572000" cy="4572000"/>
           </a:xfrm>
           <a:prstGeom prst="blockArc">
             <a:avLst>
-              <a:gd name="adj1" fmla="val 12242566"/>
-              <a:gd name="adj2" fmla="val 9653"/>
-              <a:gd name="adj3" fmla="val 4989"/>
+              <a:gd name="adj1" fmla="val 13031669"/>
+              <a:gd name="adj2" fmla="val 19905766"/>
+              <a:gd name="adj3" fmla="val 4764"/>
             </a:avLst>
           </a:prstGeom>
           <a:solidFill>
